--- a/presentation/Continuous_Integration.pptx
+++ b/presentation/Continuous_Integration.pptx
@@ -5,27 +5,26 @@
     <p:sldMasterId id="2147483648" r:id="rId4"/>
   </p:sldMasterIdLst>
   <p:notesMasterIdLst>
-    <p:notesMasterId r:id="rId23"/>
+    <p:notesMasterId r:id="rId22"/>
   </p:notesMasterIdLst>
   <p:sldIdLst>
     <p:sldId id="309" r:id="rId5"/>
-    <p:sldId id="351" r:id="rId6"/>
-    <p:sldId id="389" r:id="rId7"/>
-    <p:sldId id="353" r:id="rId8"/>
-    <p:sldId id="390" r:id="rId9"/>
-    <p:sldId id="398" r:id="rId10"/>
-    <p:sldId id="391" r:id="rId11"/>
-    <p:sldId id="400" r:id="rId12"/>
-    <p:sldId id="392" r:id="rId13"/>
-    <p:sldId id="393" r:id="rId14"/>
-    <p:sldId id="394" r:id="rId15"/>
-    <p:sldId id="395" r:id="rId16"/>
-    <p:sldId id="396" r:id="rId17"/>
-    <p:sldId id="397" r:id="rId18"/>
-    <p:sldId id="401" r:id="rId19"/>
-    <p:sldId id="387" r:id="rId20"/>
-    <p:sldId id="350" r:id="rId21"/>
-    <p:sldId id="312" r:id="rId22"/>
+    <p:sldId id="389" r:id="rId6"/>
+    <p:sldId id="353" r:id="rId7"/>
+    <p:sldId id="390" r:id="rId8"/>
+    <p:sldId id="398" r:id="rId9"/>
+    <p:sldId id="391" r:id="rId10"/>
+    <p:sldId id="400" r:id="rId11"/>
+    <p:sldId id="392" r:id="rId12"/>
+    <p:sldId id="403" r:id="rId13"/>
+    <p:sldId id="394" r:id="rId14"/>
+    <p:sldId id="395" r:id="rId15"/>
+    <p:sldId id="396" r:id="rId16"/>
+    <p:sldId id="397" r:id="rId17"/>
+    <p:sldId id="401" r:id="rId18"/>
+    <p:sldId id="387" r:id="rId19"/>
+    <p:sldId id="350" r:id="rId20"/>
+    <p:sldId id="312" r:id="rId21"/>
   </p:sldIdLst>
   <p:sldSz cx="9144000" cy="6858000" type="screen4x3"/>
   <p:notesSz cx="6858000" cy="9144000"/>
@@ -5130,7 +5129,7 @@
             <a:fld id="{4A2DF81F-EF48-4A08-8CA6-56186D2CAAA3}" type="slidenum">
               <a:rPr lang="en-US" altLang="en-US" smtClean="0"/>
               <a:pPr/>
-              <a:t>4</a:t>
+              <a:t>3</a:t>
             </a:fld>
             <a:endParaRPr lang="en-US" altLang="en-US"/>
           </a:p>
@@ -5215,7 +5214,7 @@
             <a:fld id="{4A2DF81F-EF48-4A08-8CA6-56186D2CAAA3}" type="slidenum">
               <a:rPr lang="en-US" altLang="en-US" smtClean="0"/>
               <a:pPr/>
-              <a:t>8</a:t>
+              <a:t>7</a:t>
             </a:fld>
             <a:endParaRPr lang="en-US" altLang="en-US"/>
           </a:p>
@@ -7890,7 +7889,7 @@
           <a:p>
             <a:r>
               <a:rPr lang="en-US" sz="3200" dirty="0" smtClean="0"/>
-              <a:t>Build Systems</a:t>
+              <a:t>Automated Deployment</a:t>
             </a:r>
             <a:br>
               <a:rPr lang="en-US" sz="3200" dirty="0" smtClean="0"/>
@@ -7899,29 +7898,68 @@
           </a:p>
         </p:txBody>
       </p:sp>
-      <p:sp>
-        <p:nvSpPr>
-          <p:cNvPr id="4" name="Content Placeholder 3"/>
-          <p:cNvSpPr>
-            <a:spLocks noGrp="1"/>
-          </p:cNvSpPr>
+      <p:pic>
+        <p:nvPicPr>
+          <p:cNvPr id="3" name="Content Placeholder 2"/>
+          <p:cNvPicPr>
+            <a:picLocks noGrp="1" noChangeAspect="1"/>
+          </p:cNvPicPr>
           <p:nvPr>
             <p:ph sz="quarter" idx="10"/>
           </p:nvPr>
+        </p:nvPicPr>
+        <p:blipFill>
+          <a:blip r:embed="rId2">
+            <a:extLst>
+              <a:ext uri="{28A0092B-C50C-407E-A947-70E740481C1C}">
+                <a14:useLocalDpi xmlns:a14="http://schemas.microsoft.com/office/drawing/2010/main" val="0"/>
+              </a:ext>
+            </a:extLst>
+          </a:blip>
+          <a:stretch>
+            <a:fillRect/>
+          </a:stretch>
+        </p:blipFill>
+        <p:spPr>
+          <a:xfrm>
+            <a:off x="914400" y="1143000"/>
+            <a:ext cx="6992629" cy="3733800"/>
+          </a:xfrm>
+        </p:spPr>
+      </p:pic>
+      <p:sp>
+        <p:nvSpPr>
+          <p:cNvPr id="5" name="TextBox 4"/>
+          <p:cNvSpPr txBox="1"/>
+          <p:nvPr/>
         </p:nvSpPr>
-        <p:spPr/>
+        <p:spPr>
+          <a:xfrm>
+            <a:off x="152400" y="5791200"/>
+            <a:ext cx="3922869" cy="276999"/>
+          </a:xfrm>
+          <a:prstGeom prst="rect">
+            <a:avLst/>
+          </a:prstGeom>
+          <a:noFill/>
+        </p:spPr>
         <p:txBody>
-          <a:bodyPr/>
+          <a:bodyPr wrap="none" rtlCol="0">
+            <a:spAutoFit/>
+          </a:bodyPr>
           <a:lstStyle/>
           <a:p>
-            <a:endParaRPr lang="en-US" dirty="0"/>
+            <a:r>
+              <a:rPr lang="en-US" sz="1200" dirty="0"/>
+              <a:t>http://msdn.microsoft.com/en-us/library/hh191495.aspx</a:t>
+            </a:r>
           </a:p>
         </p:txBody>
       </p:sp>
     </p:spTree>
     <p:extLst>
       <p:ext uri="{BB962C8B-B14F-4D97-AF65-F5344CB8AC3E}">
-        <p14:creationId xmlns:p14="http://schemas.microsoft.com/office/powerpoint/2010/main" val="56953133"/>
+        <p14:creationId xmlns:p14="http://schemas.microsoft.com/office/powerpoint/2010/main" val="1122397013"/>
       </p:ext>
     </p:extLst>
   </p:cSld>
@@ -7972,7 +8010,7 @@
           <a:p>
             <a:r>
               <a:rPr lang="en-US" sz="3200" dirty="0" smtClean="0"/>
-              <a:t>Automated Deployment</a:t>
+              <a:t>Continuous status checking</a:t>
             </a:r>
             <a:br>
               <a:rPr lang="en-US" sz="3200" dirty="0" smtClean="0"/>
@@ -7981,29 +8019,161 @@
           </a:p>
         </p:txBody>
       </p:sp>
-      <p:sp>
-        <p:nvSpPr>
-          <p:cNvPr id="4" name="Content Placeholder 3"/>
-          <p:cNvSpPr>
-            <a:spLocks noGrp="1"/>
-          </p:cNvSpPr>
+      <p:pic>
+        <p:nvPicPr>
+          <p:cNvPr id="3" name="Content Placeholder 2"/>
+          <p:cNvPicPr>
+            <a:picLocks noGrp="1" noChangeAspect="1"/>
+          </p:cNvPicPr>
           <p:nvPr>
             <p:ph sz="quarter" idx="10"/>
           </p:nvPr>
+        </p:nvPicPr>
+        <p:blipFill>
+          <a:blip r:embed="rId2">
+            <a:extLst>
+              <a:ext uri="{28A0092B-C50C-407E-A947-70E740481C1C}">
+                <a14:useLocalDpi xmlns:a14="http://schemas.microsoft.com/office/drawing/2010/main" val="0"/>
+              </a:ext>
+            </a:extLst>
+          </a:blip>
+          <a:stretch>
+            <a:fillRect/>
+          </a:stretch>
+        </p:blipFill>
+        <p:spPr>
+          <a:xfrm>
+            <a:off x="4876800" y="772885"/>
+            <a:ext cx="3753040" cy="5029200"/>
+          </a:xfrm>
+        </p:spPr>
+      </p:pic>
+      <p:sp>
+        <p:nvSpPr>
+          <p:cNvPr id="5" name="TextBox 4"/>
+          <p:cNvSpPr txBox="1"/>
+          <p:nvPr/>
         </p:nvSpPr>
-        <p:spPr/>
+        <p:spPr>
+          <a:xfrm>
+            <a:off x="304800" y="1066800"/>
+            <a:ext cx="4285455" cy="2585323"/>
+          </a:xfrm>
+          <a:prstGeom prst="rect">
+            <a:avLst/>
+          </a:prstGeom>
+          <a:noFill/>
+        </p:spPr>
         <p:txBody>
-          <a:bodyPr/>
+          <a:bodyPr wrap="square" rtlCol="0">
+            <a:spAutoFit/>
+          </a:bodyPr>
           <a:lstStyle/>
           <a:p>
+            <a:pPr marL="285750" indent="-285750">
+              <a:buFont typeface="Arial" panose="020B0604020202020204" pitchFamily="34" charset="0"/>
+              <a:buChar char="•"/>
+            </a:pPr>
+            <a:r>
+              <a:rPr lang="en-US" b="1" dirty="0" smtClean="0"/>
+              <a:t>Configurable alerts</a:t>
+            </a:r>
+          </a:p>
+          <a:p>
+            <a:pPr marL="742950" lvl="1" indent="-285750">
+              <a:buFont typeface="Arial" panose="020B0604020202020204" pitchFamily="34" charset="0"/>
+              <a:buChar char="•"/>
+            </a:pPr>
+            <a:r>
+              <a:rPr lang="en-US" dirty="0" smtClean="0"/>
+              <a:t>E-mail alerts</a:t>
+            </a:r>
+          </a:p>
+          <a:p>
+            <a:pPr marL="742950" lvl="1" indent="-285750">
+              <a:buFont typeface="Arial" panose="020B0604020202020204" pitchFamily="34" charset="0"/>
+              <a:buChar char="•"/>
+            </a:pPr>
+            <a:r>
+              <a:rPr lang="en-US" dirty="0" smtClean="0"/>
+              <a:t>SMS alerts</a:t>
+            </a:r>
+          </a:p>
+          <a:p>
+            <a:pPr marL="742950" lvl="1" indent="-285750">
+              <a:buFont typeface="Arial" panose="020B0604020202020204" pitchFamily="34" charset="0"/>
+              <a:buChar char="•"/>
+            </a:pPr>
+            <a:r>
+              <a:rPr lang="en-US" dirty="0" smtClean="0"/>
+              <a:t>Build lights</a:t>
+            </a:r>
             <a:endParaRPr lang="en-US" dirty="0"/>
+          </a:p>
+          <a:p>
+            <a:pPr marL="285750" indent="-285750">
+              <a:buFont typeface="Arial" panose="020B0604020202020204" pitchFamily="34" charset="0"/>
+              <a:buChar char="•"/>
+            </a:pPr>
+            <a:r>
+              <a:rPr lang="en-US" b="1" dirty="0" smtClean="0"/>
+              <a:t>Live </a:t>
+            </a:r>
+            <a:r>
+              <a:rPr lang="en-US" b="1" u="sng" dirty="0" smtClean="0"/>
+              <a:t>state</a:t>
+            </a:r>
+            <a:r>
+              <a:rPr lang="en-US" b="1" dirty="0" smtClean="0"/>
+              <a:t> of:</a:t>
+            </a:r>
+          </a:p>
+          <a:p>
+            <a:pPr marL="742950" lvl="1" indent="-285750">
+              <a:buFont typeface="Arial" panose="020B0604020202020204" pitchFamily="34" charset="0"/>
+              <a:buChar char="•"/>
+            </a:pPr>
+            <a:r>
+              <a:rPr lang="en-US" dirty="0" smtClean="0"/>
+              <a:t>Builds</a:t>
+            </a:r>
+          </a:p>
+          <a:p>
+            <a:pPr marL="742950" lvl="1" indent="-285750">
+              <a:buFont typeface="Arial" panose="020B0604020202020204" pitchFamily="34" charset="0"/>
+              <a:buChar char="•"/>
+            </a:pPr>
+            <a:r>
+              <a:rPr lang="en-US" dirty="0" smtClean="0"/>
+              <a:t>Unit test runs</a:t>
+            </a:r>
+          </a:p>
+          <a:p>
+            <a:pPr marL="742950" lvl="1" indent="-285750">
+              <a:buFont typeface="Arial" panose="020B0604020202020204" pitchFamily="34" charset="0"/>
+              <a:buChar char="•"/>
+            </a:pPr>
+            <a:r>
+              <a:rPr lang="en-US" dirty="0" smtClean="0"/>
+              <a:t>Custom rules (code analysis)</a:t>
+            </a:r>
+          </a:p>
+          <a:p>
+            <a:pPr marL="742950" lvl="1" indent="-285750">
+              <a:buFont typeface="Arial" panose="020B0604020202020204" pitchFamily="34" charset="0"/>
+              <a:buChar char="•"/>
+            </a:pPr>
+            <a:r>
+              <a:rPr lang="en-US" dirty="0" smtClean="0"/>
+              <a:t>Deployments</a:t>
+            </a:r>
           </a:p>
         </p:txBody>
       </p:sp>
     </p:spTree>
     <p:extLst>
       <p:ext uri="{BB962C8B-B14F-4D97-AF65-F5344CB8AC3E}">
-        <p14:creationId xmlns:p14="http://schemas.microsoft.com/office/powerpoint/2010/main" val="1122397013"/>
+        <p14:creationId xmlns:p14="http://schemas.microsoft.com/office/powerpoint/2010/main" val="1554177052"/>
       </p:ext>
     </p:extLst>
   </p:cSld>
@@ -8037,6 +8207,36 @@
           <a:chExt cx="0" cy="0"/>
         </a:xfrm>
       </p:grpSpPr>
+      <p:pic>
+        <p:nvPicPr>
+          <p:cNvPr id="5" name="Picture 4"/>
+          <p:cNvPicPr>
+            <a:picLocks noChangeAspect="1"/>
+          </p:cNvPicPr>
+          <p:nvPr/>
+        </p:nvPicPr>
+        <p:blipFill>
+          <a:blip r:embed="rId2">
+            <a:extLst>
+              <a:ext uri="{28A0092B-C50C-407E-A947-70E740481C1C}">
+                <a14:useLocalDpi xmlns:a14="http://schemas.microsoft.com/office/drawing/2010/main" val="0"/>
+              </a:ext>
+            </a:extLst>
+          </a:blip>
+          <a:stretch>
+            <a:fillRect/>
+          </a:stretch>
+        </p:blipFill>
+        <p:spPr>
+          <a:xfrm>
+            <a:off x="1752600" y="2057400"/>
+            <a:ext cx="5943600" cy="4107558"/>
+          </a:xfrm>
+          <a:prstGeom prst="rect">
+            <a:avLst/>
+          </a:prstGeom>
+        </p:spPr>
+      </p:pic>
       <p:sp>
         <p:nvSpPr>
           <p:cNvPr id="2" name="Title 1"/>
@@ -8054,7 +8254,7 @@
           <a:p>
             <a:r>
               <a:rPr lang="en-US" sz="3200" dirty="0" smtClean="0"/>
-              <a:t>Continuous status checking</a:t>
+              <a:t>Walking Skeleton</a:t>
             </a:r>
             <a:br>
               <a:rPr lang="en-US" sz="3200" dirty="0" smtClean="0"/>
@@ -8078,6 +8278,38 @@
           <a:bodyPr/>
           <a:lstStyle/>
           <a:p>
+            <a:r>
+              <a:rPr lang="en-US" dirty="0" smtClean="0"/>
+              <a:t>A </a:t>
+            </a:r>
+            <a:r>
+              <a:rPr lang="en-US" b="1" dirty="0" smtClean="0"/>
+              <a:t>tiny </a:t>
+            </a:r>
+            <a:r>
+              <a:rPr lang="en-US" b="1" dirty="0"/>
+              <a:t>implementation </a:t>
+            </a:r>
+            <a:r>
+              <a:rPr lang="en-US" dirty="0"/>
+              <a:t>of the system that performs a small </a:t>
+            </a:r>
+            <a:r>
+              <a:rPr lang="en-US" b="1" dirty="0"/>
+              <a:t>end-to-end function</a:t>
+            </a:r>
+            <a:r>
+              <a:rPr lang="en-US" dirty="0"/>
+              <a:t>. It need not use the final architecture, but it should </a:t>
+            </a:r>
+            <a:r>
+              <a:rPr lang="en-US" b="1" dirty="0"/>
+              <a:t>link together the main architectural components</a:t>
+            </a:r>
+            <a:r>
+              <a:rPr lang="en-US" dirty="0"/>
+              <a:t>. The architecture and the functionality can then evolve in parallel.</a:t>
+            </a:r>
             <a:endParaRPr lang="en-US" dirty="0"/>
           </a:p>
         </p:txBody>
@@ -8085,7 +8317,7 @@
     </p:spTree>
     <p:extLst>
       <p:ext uri="{BB962C8B-B14F-4D97-AF65-F5344CB8AC3E}">
-        <p14:creationId xmlns:p14="http://schemas.microsoft.com/office/powerpoint/2010/main" val="1554177052"/>
+        <p14:creationId xmlns:p14="http://schemas.microsoft.com/office/powerpoint/2010/main" val="539655849"/>
       </p:ext>
     </p:extLst>
   </p:cSld>
@@ -8136,7 +8368,7 @@
           <a:p>
             <a:r>
               <a:rPr lang="en-US" sz="3200" dirty="0" smtClean="0"/>
-              <a:t>Walking Skeleton</a:t>
+              <a:t>Costs and benefits</a:t>
             </a:r>
             <a:br>
               <a:rPr lang="en-US" sz="3200" dirty="0" smtClean="0"/>
@@ -8155,11 +8387,108 @@
             <p:ph sz="quarter" idx="10"/>
           </p:nvPr>
         </p:nvSpPr>
-        <p:spPr/>
+        <p:spPr>
+          <a:xfrm>
+            <a:off x="284955" y="914400"/>
+            <a:ext cx="8610600" cy="5029200"/>
+          </a:xfrm>
+        </p:spPr>
         <p:txBody>
           <a:bodyPr/>
           <a:lstStyle/>
           <a:p>
+            <a:pPr marL="0" indent="0">
+              <a:buNone/>
+            </a:pPr>
+            <a:r>
+              <a:rPr lang="en-US" b="1" dirty="0" smtClean="0"/>
+              <a:t>Benefits:</a:t>
+            </a:r>
+          </a:p>
+          <a:p>
+            <a:r>
+              <a:rPr lang="en-US" dirty="0" smtClean="0"/>
+              <a:t>Integration </a:t>
+            </a:r>
+            <a:r>
+              <a:rPr lang="en-US" dirty="0"/>
+              <a:t>bugs are detected early and are easy to track down due to small change sets. This saves both time and money over the lifespan of a project.</a:t>
+            </a:r>
+          </a:p>
+          <a:p>
+            <a:r>
+              <a:rPr lang="en-US" dirty="0"/>
+              <a:t>Avoids last-minute chaos at release dates, when everyone tries to check in their slightly incompatible versions</a:t>
+            </a:r>
+          </a:p>
+          <a:p>
+            <a:r>
+              <a:rPr lang="en-US" dirty="0" smtClean="0"/>
+              <a:t>Easy to revert codebase in case of committed bugs or failures</a:t>
+            </a:r>
+            <a:endParaRPr lang="en-US" dirty="0"/>
+          </a:p>
+          <a:p>
+            <a:r>
+              <a:rPr lang="en-US" dirty="0"/>
+              <a:t>Constant availability of a "current" build for testing, demo, or release purposes</a:t>
+            </a:r>
+          </a:p>
+          <a:p>
+            <a:r>
+              <a:rPr lang="en-US" dirty="0"/>
+              <a:t>Frequent code check-in pushes developers to </a:t>
+            </a:r>
+            <a:r>
+              <a:rPr lang="en-US" dirty="0" smtClean="0"/>
+              <a:t>create </a:t>
+            </a:r>
+            <a:r>
+              <a:rPr lang="en-US" dirty="0"/>
+              <a:t>less complex </a:t>
+            </a:r>
+            <a:r>
+              <a:rPr lang="en-US" dirty="0" smtClean="0"/>
+              <a:t>code</a:t>
+            </a:r>
+            <a:r>
+              <a:rPr lang="en-US" baseline="30000" dirty="0" smtClean="0"/>
+              <a:t>.</a:t>
+            </a:r>
+          </a:p>
+          <a:p>
+            <a:r>
+              <a:rPr lang="en-US" dirty="0" smtClean="0"/>
+              <a:t>Enforces </a:t>
+            </a:r>
+            <a:r>
+              <a:rPr lang="en-US" dirty="0"/>
+              <a:t>discipline of frequent automated testing</a:t>
+            </a:r>
+          </a:p>
+          <a:p>
+            <a:r>
+              <a:rPr lang="en-US" dirty="0"/>
+              <a:t>Immediate feedback on system-wide impact of local changes</a:t>
+            </a:r>
+          </a:p>
+          <a:p>
+            <a:r>
+              <a:rPr lang="en-US" dirty="0"/>
+              <a:t>Metrics generated from automated testing and CI </a:t>
+            </a:r>
+            <a:r>
+              <a:rPr lang="en-US" dirty="0" smtClean="0"/>
+              <a:t>focus </a:t>
+            </a:r>
+            <a:r>
+              <a:rPr lang="en-US" dirty="0"/>
+              <a:t>developers on developing functional, quality </a:t>
+            </a:r>
+            <a:r>
+              <a:rPr lang="en-US" dirty="0" smtClean="0"/>
+              <a:t>code</a:t>
+            </a:r>
             <a:endParaRPr lang="en-US" dirty="0"/>
           </a:p>
         </p:txBody>
@@ -8167,7 +8496,7 @@
     </p:spTree>
     <p:extLst>
       <p:ext uri="{BB962C8B-B14F-4D97-AF65-F5344CB8AC3E}">
-        <p14:creationId xmlns:p14="http://schemas.microsoft.com/office/powerpoint/2010/main" val="539655849"/>
+        <p14:creationId xmlns:p14="http://schemas.microsoft.com/office/powerpoint/2010/main" val="3438385379"/>
       </p:ext>
     </p:extLst>
   </p:cSld>
@@ -8252,101 +8581,70 @@
             </a:pPr>
             <a:r>
               <a:rPr lang="en-US" b="1" dirty="0" smtClean="0"/>
-              <a:t>Benefits:</a:t>
+              <a:t>Costs:</a:t>
             </a:r>
           </a:p>
           <a:p>
             <a:r>
               <a:rPr lang="en-US" dirty="0" smtClean="0"/>
-              <a:t>Integration </a:t>
+              <a:t>Can be enormous if introduced late in the project’s lifetime</a:t>
             </a:r>
             <a:r>
               <a:rPr lang="en-US" dirty="0"/>
-              <a:t>bugs are detected early and are easy to track down due to small change sets. This saves both time and money over the lifespan of a project.</a:t>
-            </a:r>
-          </a:p>
-          <a:p>
-            <a:r>
-              <a:rPr lang="en-US" dirty="0"/>
-              <a:t>Avoids last-minute chaos at release dates, when everyone tries to check in their slightly incompatible versions</a:t>
-            </a:r>
-          </a:p>
-          <a:p>
+              <a:t> </a:t>
+            </a:r>
             <a:r>
               <a:rPr lang="en-US" dirty="0" smtClean="0"/>
-              <a:t>Easy to revert codebase in case of committed bugs or failures</a:t>
-            </a:r>
-            <a:endParaRPr lang="en-US" dirty="0"/>
-          </a:p>
-          <a:p>
-            <a:r>
-              <a:rPr lang="en-US" dirty="0"/>
-              <a:t>Constant availability of a "current" build for testing, demo, or release purposes</a:t>
-            </a:r>
-          </a:p>
-          <a:p>
-            <a:r>
-              <a:rPr lang="en-US" dirty="0"/>
-              <a:t>Frequent code check-in pushes developers to </a:t>
-            </a:r>
+              <a:t>-&gt; Walking skeleton!</a:t>
+            </a:r>
+          </a:p>
+          <a:p>
             <a:r>
               <a:rPr lang="en-US" dirty="0" smtClean="0"/>
-              <a:t>create </a:t>
-            </a:r>
-            <a:r>
-              <a:rPr lang="en-US" dirty="0"/>
-              <a:t>less complex </a:t>
-            </a:r>
+              <a:t>Constructing and maintaining an automated test suite requires a considerable amount of work</a:t>
+            </a:r>
+          </a:p>
+          <a:p>
             <a:r>
               <a:rPr lang="en-US" dirty="0" smtClean="0"/>
-              <a:t>code</a:t>
-            </a:r>
-            <a:r>
-              <a:rPr lang="en-US" baseline="30000" dirty="0" smtClean="0"/>
-              <a:t>.</a:t>
-            </a:r>
-          </a:p>
-          <a:p>
-            <a:r>
-              <a:rPr lang="en-US" dirty="0" smtClean="0"/>
-              <a:t>Enforces </a:t>
-            </a:r>
-            <a:r>
-              <a:rPr lang="en-US" dirty="0"/>
-              <a:t>discipline of frequent automated testing</a:t>
-            </a:r>
-          </a:p>
-          <a:p>
-            <a:r>
-              <a:rPr lang="en-US" dirty="0"/>
-              <a:t>Immediate feedback on system-wide impact of local changes</a:t>
-            </a:r>
-          </a:p>
-          <a:p>
-            <a:r>
-              <a:rPr lang="en-US" dirty="0"/>
-              <a:t>Metrics generated from automated testing and CI </a:t>
-            </a:r>
-            <a:r>
-              <a:rPr lang="en-US" dirty="0" smtClean="0"/>
-              <a:t>focus </a:t>
-            </a:r>
-            <a:r>
-              <a:rPr lang="en-US" dirty="0"/>
-              <a:t>developers on developing functional, quality </a:t>
-            </a:r>
-            <a:r>
-              <a:rPr lang="en-US" dirty="0" smtClean="0"/>
-              <a:t>code</a:t>
-            </a:r>
-            <a:endParaRPr lang="en-US" dirty="0"/>
+              <a:t>There are off-the-shelf CI software solutions which can be used (both proprietary and open-source)</a:t>
+            </a:r>
+          </a:p>
+        </p:txBody>
+      </p:sp>
+      <p:sp>
+        <p:nvSpPr>
+          <p:cNvPr id="3" name="TextBox 2"/>
+          <p:cNvSpPr txBox="1"/>
+          <p:nvPr/>
+        </p:nvSpPr>
+        <p:spPr>
+          <a:xfrm>
+            <a:off x="226952" y="5805100"/>
+            <a:ext cx="5347939" cy="276999"/>
+          </a:xfrm>
+          <a:prstGeom prst="rect">
+            <a:avLst/>
+          </a:prstGeom>
+          <a:noFill/>
+        </p:spPr>
+        <p:txBody>
+          <a:bodyPr wrap="none" rtlCol="0">
+            <a:spAutoFit/>
+          </a:bodyPr>
+          <a:lstStyle/>
+          <a:p>
+            <a:r>
+              <a:rPr lang="en-US" sz="1200" dirty="0"/>
+              <a:t>http://en.wikipedia.org/wiki/Comparison_of_continuous_integration_software</a:t>
+            </a:r>
           </a:p>
         </p:txBody>
       </p:sp>
     </p:spTree>
     <p:extLst>
       <p:ext uri="{BB962C8B-B14F-4D97-AF65-F5344CB8AC3E}">
-        <p14:creationId xmlns:p14="http://schemas.microsoft.com/office/powerpoint/2010/main" val="3438385379"/>
+        <p14:creationId xmlns:p14="http://schemas.microsoft.com/office/powerpoint/2010/main" val="1847345643"/>
       </p:ext>
     </p:extLst>
   </p:cSld>
@@ -8382,119 +8680,68 @@
       </p:grpSpPr>
       <p:sp>
         <p:nvSpPr>
-          <p:cNvPr id="2" name="Title 1"/>
+          <p:cNvPr id="4" name="Title 3"/>
           <p:cNvSpPr>
             <a:spLocks noGrp="1"/>
           </p:cNvSpPr>
           <p:nvPr>
-            <p:ph type="title"/>
-          </p:nvPr>
-        </p:nvSpPr>
-        <p:spPr/>
-        <p:txBody>
-          <a:bodyPr/>
-          <a:lstStyle/>
-          <a:p>
-            <a:r>
-              <a:rPr lang="en-US" sz="3200" dirty="0" smtClean="0"/>
-              <a:t>Costs and benefits</a:t>
-            </a:r>
-            <a:br>
-              <a:rPr lang="en-US" sz="3200" dirty="0" smtClean="0"/>
-            </a:br>
-            <a:endParaRPr lang="en-US" sz="3200" dirty="0"/>
-          </a:p>
-        </p:txBody>
-      </p:sp>
-      <p:sp>
-        <p:nvSpPr>
-          <p:cNvPr id="4" name="Content Placeholder 3"/>
-          <p:cNvSpPr>
-            <a:spLocks noGrp="1"/>
-          </p:cNvSpPr>
-          <p:nvPr>
-            <p:ph sz="quarter" idx="10"/>
+            <p:ph type="ctrTitle"/>
           </p:nvPr>
         </p:nvSpPr>
         <p:spPr>
           <a:xfrm>
-            <a:off x="284955" y="914400"/>
-            <a:ext cx="8610600" cy="5029200"/>
+            <a:off x="3505200" y="2279958"/>
+            <a:ext cx="1941610" cy="1270028"/>
           </a:xfrm>
         </p:spPr>
         <p:txBody>
           <a:bodyPr/>
           <a:lstStyle/>
           <a:p>
-            <a:pPr marL="0" indent="0">
-              <a:buNone/>
-            </a:pPr>
-            <a:r>
-              <a:rPr lang="en-US" b="1" dirty="0" smtClean="0"/>
-              <a:t>Costs:</a:t>
-            </a:r>
-          </a:p>
-          <a:p>
             <a:r>
               <a:rPr lang="en-US" dirty="0" smtClean="0"/>
-              <a:t>Can be enormous if introduced late in the project’s lifetime</a:t>
-            </a:r>
-            <a:r>
-              <a:rPr lang="en-US" dirty="0"/>
-              <a:t> </a:t>
-            </a:r>
-            <a:r>
+              <a:t>Demo </a:t>
+            </a:r>
+            <a:br>
               <a:rPr lang="en-US" dirty="0" smtClean="0"/>
-              <a:t>-&gt; Walking skeleton!</a:t>
-            </a:r>
-          </a:p>
-          <a:p>
-            <a:r>
-              <a:rPr lang="en-US" dirty="0" smtClean="0"/>
-              <a:t>Constructing and maintaining an automated test suite requires a considerable amount of work</a:t>
-            </a:r>
-          </a:p>
-          <a:p>
-            <a:r>
-              <a:rPr lang="en-US" dirty="0" smtClean="0"/>
-              <a:t>There are off-the-shelf CI software solutions which can be used (both proprietary and open-source)</a:t>
-            </a:r>
+            </a:br>
+            <a:endParaRPr lang="en-US" dirty="0"/>
           </a:p>
         </p:txBody>
       </p:sp>
       <p:sp>
         <p:nvSpPr>
-          <p:cNvPr id="3" name="TextBox 2"/>
-          <p:cNvSpPr txBox="1"/>
-          <p:nvPr/>
+          <p:cNvPr id="5" name="Content Placeholder 4"/>
+          <p:cNvSpPr>
+            <a:spLocks noGrp="1"/>
+          </p:cNvSpPr>
+          <p:nvPr>
+            <p:ph sz="quarter" idx="13"/>
+          </p:nvPr>
         </p:nvSpPr>
         <p:spPr>
           <a:xfrm>
-            <a:off x="226952" y="5805100"/>
-            <a:ext cx="5347939" cy="276999"/>
+            <a:off x="2342405" y="3092786"/>
+            <a:ext cx="4267200" cy="914400"/>
           </a:xfrm>
-          <a:prstGeom prst="rect">
-            <a:avLst/>
-          </a:prstGeom>
-          <a:noFill/>
         </p:spPr>
         <p:txBody>
-          <a:bodyPr wrap="none" rtlCol="0">
-            <a:spAutoFit/>
-          </a:bodyPr>
+          <a:bodyPr/>
           <a:lstStyle/>
           <a:p>
-            <a:r>
-              <a:rPr lang="en-US" sz="1200" dirty="0"/>
-              <a:t>http://en.wikipedia.org/wiki/Comparison_of_continuous_integration_software</a:t>
-            </a:r>
+            <a:pPr algn="ctr"/>
+            <a:r>
+              <a:rPr lang="en-US" dirty="0" smtClean="0"/>
+              <a:t>Using Visual Studio Online</a:t>
+            </a:r>
+            <a:endParaRPr lang="en-US" dirty="0"/>
           </a:p>
         </p:txBody>
       </p:sp>
     </p:spTree>
     <p:extLst>
       <p:ext uri="{BB962C8B-B14F-4D97-AF65-F5344CB8AC3E}">
-        <p14:creationId xmlns:p14="http://schemas.microsoft.com/office/powerpoint/2010/main" val="1847345643"/>
+        <p14:creationId xmlns:p14="http://schemas.microsoft.com/office/powerpoint/2010/main" val="2618386744"/>
       </p:ext>
     </p:extLst>
   </p:cSld>
@@ -8530,103 +8777,6 @@
       </p:grpSpPr>
       <p:sp>
         <p:nvSpPr>
-          <p:cNvPr id="4" name="Title 3"/>
-          <p:cNvSpPr>
-            <a:spLocks noGrp="1"/>
-          </p:cNvSpPr>
-          <p:nvPr>
-            <p:ph type="ctrTitle"/>
-          </p:nvPr>
-        </p:nvSpPr>
-        <p:spPr>
-          <a:xfrm>
-            <a:off x="3505200" y="2279958"/>
-            <a:ext cx="1941610" cy="1270028"/>
-          </a:xfrm>
-        </p:spPr>
-        <p:txBody>
-          <a:bodyPr/>
-          <a:lstStyle/>
-          <a:p>
-            <a:r>
-              <a:rPr lang="en-US" dirty="0" smtClean="0"/>
-              <a:t>Demo </a:t>
-            </a:r>
-            <a:br>
-              <a:rPr lang="en-US" dirty="0" smtClean="0"/>
-            </a:br>
-            <a:endParaRPr lang="en-US" dirty="0"/>
-          </a:p>
-        </p:txBody>
-      </p:sp>
-      <p:sp>
-        <p:nvSpPr>
-          <p:cNvPr id="5" name="Content Placeholder 4"/>
-          <p:cNvSpPr>
-            <a:spLocks noGrp="1"/>
-          </p:cNvSpPr>
-          <p:nvPr>
-            <p:ph sz="quarter" idx="13"/>
-          </p:nvPr>
-        </p:nvSpPr>
-        <p:spPr>
-          <a:xfrm>
-            <a:off x="2342405" y="3092786"/>
-            <a:ext cx="4267200" cy="914400"/>
-          </a:xfrm>
-        </p:spPr>
-        <p:txBody>
-          <a:bodyPr/>
-          <a:lstStyle/>
-          <a:p>
-            <a:pPr algn="ctr"/>
-            <a:r>
-              <a:rPr lang="en-US" dirty="0" smtClean="0"/>
-              <a:t>Using Visual Studio Online</a:t>
-            </a:r>
-            <a:endParaRPr lang="en-US" dirty="0"/>
-          </a:p>
-        </p:txBody>
-      </p:sp>
-    </p:spTree>
-    <p:extLst>
-      <p:ext uri="{BB962C8B-B14F-4D97-AF65-F5344CB8AC3E}">
-        <p14:creationId xmlns:p14="http://schemas.microsoft.com/office/powerpoint/2010/main" val="2618386744"/>
-      </p:ext>
-    </p:extLst>
-  </p:cSld>
-  <p:clrMapOvr>
-    <a:masterClrMapping/>
-  </p:clrMapOvr>
-  <p:timing>
-    <p:tnLst>
-      <p:par>
-        <p:cTn id="1" dur="indefinite" restart="never" nodeType="tmRoot"/>
-      </p:par>
-    </p:tnLst>
-  </p:timing>
-</p:sld>
-</file>
-
-<file path=ppt/slides/slide17.xml><?xml version="1.0" encoding="utf-8"?>
-<p:sld xmlns:a="http://schemas.openxmlformats.org/drawingml/2006/main" xmlns:r="http://schemas.openxmlformats.org/officeDocument/2006/relationships" xmlns:p="http://schemas.openxmlformats.org/presentationml/2006/main">
-  <p:cSld>
-    <p:spTree>
-      <p:nvGrpSpPr>
-        <p:cNvPr id="1" name=""/>
-        <p:cNvGrpSpPr/>
-        <p:nvPr/>
-      </p:nvGrpSpPr>
-      <p:grpSpPr>
-        <a:xfrm>
-          <a:off x="0" y="0"/>
-          <a:ext cx="0" cy="0"/>
-          <a:chOff x="0" y="0"/>
-          <a:chExt cx="0" cy="0"/>
-        </a:xfrm>
-      </p:grpSpPr>
-      <p:sp>
-        <p:nvSpPr>
           <p:cNvPr id="39938" name="Title 1"/>
           <p:cNvSpPr>
             <a:spLocks noGrp="1"/>
@@ -8675,7 +8825,7 @@
 </p:sld>
 </file>
 
-<file path=ppt/slides/slide18.xml><?xml version="1.0" encoding="utf-8"?>
+<file path=ppt/slides/slide17.xml><?xml version="1.0" encoding="utf-8"?>
 <p:sld xmlns:a="http://schemas.openxmlformats.org/drawingml/2006/main" xmlns:r="http://schemas.openxmlformats.org/officeDocument/2006/relationships" xmlns:p="http://schemas.openxmlformats.org/presentationml/2006/main">
   <p:cSld>
     <p:spTree>
@@ -9075,177 +9225,6 @@
 </file>
 
 <file path=ppt/slides/slide2.xml><?xml version="1.0" encoding="utf-8"?>
-<p:sld xmlns:a="http://schemas.openxmlformats.org/drawingml/2006/main" xmlns:r="http://schemas.openxmlformats.org/officeDocument/2006/relationships" xmlns:p="http://schemas.openxmlformats.org/presentationml/2006/main">
-  <p:cSld>
-    <p:spTree>
-      <p:nvGrpSpPr>
-        <p:cNvPr id="1" name=""/>
-        <p:cNvGrpSpPr/>
-        <p:nvPr/>
-      </p:nvGrpSpPr>
-      <p:grpSpPr>
-        <a:xfrm>
-          <a:off x="0" y="0"/>
-          <a:ext cx="0" cy="0"/>
-          <a:chOff x="0" y="0"/>
-          <a:chExt cx="0" cy="0"/>
-        </a:xfrm>
-      </p:grpSpPr>
-      <p:sp>
-        <p:nvSpPr>
-          <p:cNvPr id="2" name="Title 1"/>
-          <p:cNvSpPr>
-            <a:spLocks noGrp="1"/>
-          </p:cNvSpPr>
-          <p:nvPr>
-            <p:ph type="title"/>
-          </p:nvPr>
-        </p:nvSpPr>
-        <p:spPr/>
-        <p:txBody>
-          <a:bodyPr/>
-          <a:lstStyle/>
-          <a:p>
-            <a:r>
-              <a:rPr lang="en-US" sz="3200" dirty="0" smtClean="0"/>
-              <a:t>Agenda</a:t>
-            </a:r>
-            <a:endParaRPr lang="en-US" sz="3200" dirty="0"/>
-          </a:p>
-        </p:txBody>
-      </p:sp>
-      <p:sp>
-        <p:nvSpPr>
-          <p:cNvPr id="3" name="Content Placeholder 2"/>
-          <p:cNvSpPr>
-            <a:spLocks noGrp="1"/>
-          </p:cNvSpPr>
-          <p:nvPr>
-            <p:ph sz="quarter" idx="10"/>
-          </p:nvPr>
-        </p:nvSpPr>
-        <p:spPr>
-          <a:xfrm>
-            <a:off x="304800" y="914400"/>
-            <a:ext cx="8610600" cy="5181600"/>
-          </a:xfrm>
-        </p:spPr>
-        <p:txBody>
-          <a:bodyPr/>
-          <a:lstStyle/>
-          <a:p>
-            <a:r>
-              <a:rPr lang="en-US" sz="2000" dirty="0"/>
-              <a:t>Discussion: Why do we need </a:t>
-            </a:r>
-            <a:r>
-              <a:rPr lang="en-US" dirty="0" smtClean="0"/>
-              <a:t>CI and CD</a:t>
-            </a:r>
-            <a:r>
-              <a:rPr lang="en-US" sz="2000" dirty="0" smtClean="0"/>
-              <a:t>?</a:t>
-            </a:r>
-          </a:p>
-          <a:p>
-            <a:r>
-              <a:rPr lang="en-US" dirty="0" smtClean="0"/>
-              <a:t>Suggested course materials</a:t>
-            </a:r>
-            <a:endParaRPr lang="en-US" sz="2000" dirty="0" smtClean="0"/>
-          </a:p>
-          <a:p>
-            <a:r>
-              <a:rPr lang="en-US" sz="2000" dirty="0" smtClean="0"/>
-              <a:t>Agile development process VS waterfall</a:t>
-            </a:r>
-          </a:p>
-          <a:p>
-            <a:r>
-              <a:rPr lang="en-US" dirty="0" smtClean="0"/>
-              <a:t>Overview of CI</a:t>
-            </a:r>
-          </a:p>
-          <a:p>
-            <a:pPr lvl="1"/>
-            <a:r>
-              <a:rPr lang="en-US" dirty="0" smtClean="0"/>
-              <a:t>Version Control Systems</a:t>
-            </a:r>
-          </a:p>
-          <a:p>
-            <a:pPr lvl="1"/>
-            <a:r>
-              <a:rPr lang="en-US" dirty="0" smtClean="0"/>
-              <a:t>Build Systems</a:t>
-            </a:r>
-          </a:p>
-          <a:p>
-            <a:pPr lvl="1"/>
-            <a:r>
-              <a:rPr lang="en-US" dirty="0" smtClean="0"/>
-              <a:t>Automated deployment</a:t>
-            </a:r>
-          </a:p>
-          <a:p>
-            <a:pPr lvl="1"/>
-            <a:r>
-              <a:rPr lang="en-US" dirty="0" smtClean="0"/>
-              <a:t>Continuous status checking</a:t>
-            </a:r>
-            <a:endParaRPr lang="en-US" dirty="0" smtClean="0"/>
-          </a:p>
-          <a:p>
-            <a:r>
-              <a:rPr lang="en-US" dirty="0" smtClean="0"/>
-              <a:t>Walking skeleton</a:t>
-            </a:r>
-            <a:endParaRPr lang="en-US" dirty="0" smtClean="0"/>
-          </a:p>
-          <a:p>
-            <a:r>
-              <a:rPr lang="en-US" dirty="0" smtClean="0"/>
-              <a:t>Costs and benefits</a:t>
-            </a:r>
-          </a:p>
-          <a:p>
-            <a:r>
-              <a:rPr lang="en-US" dirty="0" smtClean="0"/>
-              <a:t>Demo</a:t>
-            </a:r>
-          </a:p>
-          <a:p>
-            <a:endParaRPr lang="en-US" sz="2000" dirty="0" smtClean="0"/>
-          </a:p>
-          <a:p>
-            <a:endParaRPr lang="en-US" sz="2000" dirty="0" smtClean="0"/>
-          </a:p>
-          <a:p>
-            <a:endParaRPr lang="en-US" dirty="0"/>
-          </a:p>
-        </p:txBody>
-      </p:sp>
-    </p:spTree>
-    <p:extLst>
-      <p:ext uri="{BB962C8B-B14F-4D97-AF65-F5344CB8AC3E}">
-        <p14:creationId xmlns:p14="http://schemas.microsoft.com/office/powerpoint/2010/main" val="2611393141"/>
-      </p:ext>
-    </p:extLst>
-  </p:cSld>
-  <p:clrMapOvr>
-    <a:masterClrMapping/>
-  </p:clrMapOvr>
-  <p:timing>
-    <p:tnLst>
-      <p:par>
-        <p:cTn id="1" dur="indefinite" restart="never" nodeType="tmRoot"/>
-      </p:par>
-    </p:tnLst>
-  </p:timing>
-</p:sld>
-</file>
-
-<file path=ppt/slides/slide3.xml><?xml version="1.0" encoding="utf-8"?>
 <p:sld xmlns:a="http://schemas.openxmlformats.org/drawingml/2006/main" xmlns:r="http://schemas.openxmlformats.org/officeDocument/2006/relationships" xmlns:p="http://schemas.openxmlformats.org/presentationml/2006/main">
   <p:cSld>
     <p:spTree>
@@ -9434,7 +9413,7 @@
 </p:sld>
 </file>
 
-<file path=ppt/slides/slide4.xml><?xml version="1.0" encoding="utf-8"?>
+<file path=ppt/slides/slide3.xml><?xml version="1.0" encoding="utf-8"?>
 <p:sld xmlns:a="http://schemas.openxmlformats.org/drawingml/2006/main" xmlns:r="http://schemas.openxmlformats.org/officeDocument/2006/relationships" xmlns:p="http://schemas.openxmlformats.org/presentationml/2006/main">
   <p:cSld>
     <p:spTree>
@@ -9500,7 +9479,7 @@
 </p:sld>
 </file>
 
-<file path=ppt/slides/slide5.xml><?xml version="1.0" encoding="utf-8"?>
+<file path=ppt/slides/slide4.xml><?xml version="1.0" encoding="utf-8"?>
 <p:sld xmlns:a="http://schemas.openxmlformats.org/drawingml/2006/main" xmlns:r="http://schemas.openxmlformats.org/officeDocument/2006/relationships" xmlns:p="http://schemas.openxmlformats.org/presentationml/2006/main">
   <p:cSld>
     <p:spTree>
@@ -9622,7 +9601,7 @@
 </p:sld>
 </file>
 
-<file path=ppt/slides/slide6.xml><?xml version="1.0" encoding="utf-8"?>
+<file path=ppt/slides/slide5.xml><?xml version="1.0" encoding="utf-8"?>
 <p:sld xmlns:a="http://schemas.openxmlformats.org/drawingml/2006/main" xmlns:r="http://schemas.openxmlformats.org/officeDocument/2006/relationships" xmlns:p="http://schemas.openxmlformats.org/presentationml/2006/main">
   <p:cSld>
     <p:spTree>
@@ -9744,6 +9723,153 @@
 </p:sld>
 </file>
 
+<file path=ppt/slides/slide6.xml><?xml version="1.0" encoding="utf-8"?>
+<p:sld xmlns:a="http://schemas.openxmlformats.org/drawingml/2006/main" xmlns:r="http://schemas.openxmlformats.org/officeDocument/2006/relationships" xmlns:p="http://schemas.openxmlformats.org/presentationml/2006/main">
+  <p:cSld>
+    <p:spTree>
+      <p:nvGrpSpPr>
+        <p:cNvPr id="1" name=""/>
+        <p:cNvGrpSpPr/>
+        <p:nvPr/>
+      </p:nvGrpSpPr>
+      <p:grpSpPr>
+        <a:xfrm>
+          <a:off x="0" y="0"/>
+          <a:ext cx="0" cy="0"/>
+          <a:chOff x="0" y="0"/>
+          <a:chExt cx="0" cy="0"/>
+        </a:xfrm>
+      </p:grpSpPr>
+      <p:sp>
+        <p:nvSpPr>
+          <p:cNvPr id="2" name="Title 1"/>
+          <p:cNvSpPr>
+            <a:spLocks noGrp="1"/>
+          </p:cNvSpPr>
+          <p:nvPr>
+            <p:ph type="title"/>
+          </p:nvPr>
+        </p:nvSpPr>
+        <p:spPr/>
+        <p:txBody>
+          <a:bodyPr/>
+          <a:lstStyle/>
+          <a:p>
+            <a:r>
+              <a:rPr lang="en-US" sz="3200" dirty="0" smtClean="0"/>
+              <a:t>Overview of Continuous Integration</a:t>
+            </a:r>
+            <a:endParaRPr lang="en-US" sz="3200" dirty="0"/>
+          </a:p>
+        </p:txBody>
+      </p:sp>
+      <p:sp>
+        <p:nvSpPr>
+          <p:cNvPr id="4" name="Content Placeholder 3"/>
+          <p:cNvSpPr>
+            <a:spLocks noGrp="1"/>
+          </p:cNvSpPr>
+          <p:nvPr>
+            <p:ph sz="quarter" idx="10"/>
+          </p:nvPr>
+        </p:nvSpPr>
+        <p:spPr>
+          <a:xfrm>
+            <a:off x="304800" y="1066800"/>
+            <a:ext cx="8610600" cy="4114800"/>
+          </a:xfrm>
+        </p:spPr>
+        <p:txBody>
+          <a:bodyPr/>
+          <a:lstStyle/>
+          <a:p>
+            <a:r>
+              <a:rPr lang="en-US" b="1" dirty="0"/>
+              <a:t>Continuous integration</a:t>
+            </a:r>
+            <a:r>
+              <a:rPr lang="en-US" dirty="0"/>
+              <a:t> (</a:t>
+            </a:r>
+            <a:r>
+              <a:rPr lang="en-US" b="1" dirty="0"/>
+              <a:t>CI</a:t>
+            </a:r>
+            <a:r>
+              <a:rPr lang="en-US" dirty="0"/>
+              <a:t>) is the practice, in software engineering, of merging all developer working copies with a shared mainline several times a day</a:t>
+            </a:r>
+            <a:r>
+              <a:rPr lang="en-US" dirty="0" smtClean="0"/>
+              <a:t>.</a:t>
+            </a:r>
+          </a:p>
+          <a:p>
+            <a:r>
+              <a:rPr lang="en-US" dirty="0"/>
+              <a:t>Continuous integration involves integrating early and often, so as to avoid the pitfalls of "integration hell". The practice aims to reduce rework and thus reduce cost and time.</a:t>
+            </a:r>
+          </a:p>
+          <a:p>
+            <a:r>
+              <a:rPr lang="en-US" dirty="0"/>
+              <a:t>A complementary practice to CI is that before submitting work, each programmer must do a complete build and run (and pass) all unit tests. Integration tests are usually run automatically on a CI server when it detects a new commit. All programmers should start the day by updating the project from the repository. That way, they will all stay up to date.</a:t>
+            </a:r>
+          </a:p>
+          <a:p>
+            <a:endParaRPr lang="en-US" dirty="0"/>
+          </a:p>
+        </p:txBody>
+      </p:sp>
+      <p:sp>
+        <p:nvSpPr>
+          <p:cNvPr id="3" name="TextBox 2"/>
+          <p:cNvSpPr txBox="1"/>
+          <p:nvPr/>
+        </p:nvSpPr>
+        <p:spPr>
+          <a:xfrm>
+            <a:off x="152400" y="5867400"/>
+            <a:ext cx="3592650" cy="276999"/>
+          </a:xfrm>
+          <a:prstGeom prst="rect">
+            <a:avLst/>
+          </a:prstGeom>
+          <a:noFill/>
+        </p:spPr>
+        <p:txBody>
+          <a:bodyPr wrap="none" rtlCol="0">
+            <a:spAutoFit/>
+          </a:bodyPr>
+          <a:lstStyle/>
+          <a:p>
+            <a:r>
+              <a:rPr lang="en-US" sz="1200" dirty="0"/>
+              <a:t>http://en.wikipedia.org/wiki/Continuous_integration</a:t>
+            </a:r>
+          </a:p>
+        </p:txBody>
+      </p:sp>
+    </p:spTree>
+    <p:extLst>
+      <p:ext uri="{BB962C8B-B14F-4D97-AF65-F5344CB8AC3E}">
+        <p14:creationId xmlns:p14="http://schemas.microsoft.com/office/powerpoint/2010/main" val="1408317072"/>
+      </p:ext>
+    </p:extLst>
+  </p:cSld>
+  <p:clrMapOvr>
+    <a:masterClrMapping/>
+  </p:clrMapOvr>
+  <p:timing>
+    <p:tnLst>
+      <p:par>
+        <p:cTn id="1" dur="indefinite" restart="never" nodeType="tmRoot"/>
+      </p:par>
+    </p:tnLst>
+  </p:timing>
+</p:sld>
+</file>
+
 <file path=ppt/slides/slide7.xml><?xml version="1.0" encoding="utf-8"?>
 <p:sld xmlns:a="http://schemas.openxmlformats.org/drawingml/2006/main" xmlns:r="http://schemas.openxmlformats.org/officeDocument/2006/relationships" xmlns:p="http://schemas.openxmlformats.org/presentationml/2006/main">
   <p:cSld>
@@ -9777,104 +9903,42 @@
           <a:lstStyle/>
           <a:p>
             <a:r>
-              <a:rPr lang="en-US" sz="3200" dirty="0" smtClean="0"/>
-              <a:t>Overview of Continuous Integration</a:t>
+              <a:rPr lang="en-US" sz="3200" dirty="0"/>
+              <a:t>CI and CD Pipeline</a:t>
             </a:r>
             <a:endParaRPr lang="en-US" sz="3200" dirty="0"/>
           </a:p>
         </p:txBody>
       </p:sp>
-      <p:sp>
-        <p:nvSpPr>
+      <p:graphicFrame>
+        <p:nvGraphicFramePr>
           <p:cNvPr id="4" name="Content Placeholder 3"/>
-          <p:cNvSpPr>
-            <a:spLocks noGrp="1"/>
-          </p:cNvSpPr>
+          <p:cNvGraphicFramePr>
+            <a:graphicFrameLocks noGrp="1"/>
+          </p:cNvGraphicFramePr>
           <p:nvPr>
             <p:ph sz="quarter" idx="10"/>
+            <p:extLst>
+              <p:ext uri="{D42A27DB-BD31-4B8C-83A1-F6EECF244321}">
+                <p14:modId xmlns:p14="http://schemas.microsoft.com/office/powerpoint/2010/main" val="3317935647"/>
+              </p:ext>
+            </p:extLst>
           </p:nvPr>
-        </p:nvSpPr>
-        <p:spPr>
-          <a:xfrm>
-            <a:off x="304800" y="1066800"/>
-            <a:ext cx="8610600" cy="4114800"/>
-          </a:xfrm>
-        </p:spPr>
-        <p:txBody>
-          <a:bodyPr/>
-          <a:lstStyle/>
-          <a:p>
-            <a:r>
-              <a:rPr lang="en-US" b="1" dirty="0"/>
-              <a:t>Continuous integration</a:t>
-            </a:r>
-            <a:r>
-              <a:rPr lang="en-US" dirty="0"/>
-              <a:t> (</a:t>
-            </a:r>
-            <a:r>
-              <a:rPr lang="en-US" b="1" dirty="0"/>
-              <a:t>CI</a:t>
-            </a:r>
-            <a:r>
-              <a:rPr lang="en-US" dirty="0"/>
-              <a:t>) is the practice, in software engineering, of merging all developer working copies with a shared mainline several times a day</a:t>
-            </a:r>
-            <a:r>
-              <a:rPr lang="en-US" dirty="0" smtClean="0"/>
-              <a:t>.</a:t>
-            </a:r>
-          </a:p>
-          <a:p>
-            <a:r>
-              <a:rPr lang="en-US" dirty="0"/>
-              <a:t>Continuous integration involves integrating early and often, so as to avoid the pitfalls of "integration hell". The practice aims to reduce rework and thus reduce cost and time.</a:t>
-            </a:r>
-          </a:p>
-          <a:p>
-            <a:r>
-              <a:rPr lang="en-US" dirty="0"/>
-              <a:t>A complementary practice to CI is that before submitting work, each programmer must do a complete build and run (and pass) all unit tests. Integration tests are usually run automatically on a CI server when it detects a new commit. All programmers should start the day by updating the project from the repository. That way, they will all stay up to date.</a:t>
-            </a:r>
-          </a:p>
-          <a:p>
-            <a:endParaRPr lang="en-US" dirty="0"/>
-          </a:p>
-        </p:txBody>
-      </p:sp>
-      <p:sp>
-        <p:nvSpPr>
-          <p:cNvPr id="3" name="TextBox 2"/>
-          <p:cNvSpPr txBox="1"/>
-          <p:nvPr/>
-        </p:nvSpPr>
-        <p:spPr>
-          <a:xfrm>
-            <a:off x="152400" y="5867400"/>
-            <a:ext cx="3592650" cy="276999"/>
-          </a:xfrm>
-          <a:prstGeom prst="rect">
-            <a:avLst/>
-          </a:prstGeom>
-          <a:noFill/>
-        </p:spPr>
-        <p:txBody>
-          <a:bodyPr wrap="none" rtlCol="0">
-            <a:spAutoFit/>
-          </a:bodyPr>
-          <a:lstStyle/>
-          <a:p>
-            <a:r>
-              <a:rPr lang="en-US" sz="1200" dirty="0"/>
-              <a:t>http://en.wikipedia.org/wiki/Continuous_integration</a:t>
-            </a:r>
-          </a:p>
-        </p:txBody>
-      </p:sp>
+        </p:nvGraphicFramePr>
+        <p:xfrm>
+          <a:off x="304800" y="1066800"/>
+          <a:ext cx="8610600" cy="5029200"/>
+        </p:xfrm>
+        <a:graphic>
+          <a:graphicData uri="http://schemas.openxmlformats.org/drawingml/2006/diagram">
+            <dgm:relIds xmlns:dgm="http://schemas.openxmlformats.org/drawingml/2006/diagram" xmlns:r="http://schemas.openxmlformats.org/officeDocument/2006/relationships" r:dm="rId3" r:lo="rId4" r:qs="rId5" r:cs="rId6"/>
+          </a:graphicData>
+        </a:graphic>
+      </p:graphicFrame>
     </p:spTree>
     <p:extLst>
       <p:ext uri="{BB962C8B-B14F-4D97-AF65-F5344CB8AC3E}">
-        <p14:creationId xmlns:p14="http://schemas.microsoft.com/office/powerpoint/2010/main" val="1408317072"/>
+        <p14:creationId xmlns:p14="http://schemas.microsoft.com/office/powerpoint/2010/main" val="23404733"/>
       </p:ext>
     </p:extLst>
   </p:cSld>
@@ -9924,42 +9988,177 @@
           <a:lstStyle/>
           <a:p>
             <a:r>
-              <a:rPr lang="en-US" sz="3200" dirty="0"/>
-              <a:t>CI and CD Pipeline</a:t>
-            </a:r>
+              <a:rPr lang="en-US" sz="3200" dirty="0" smtClean="0"/>
+              <a:t>Version Control Systems</a:t>
+            </a:r>
+            <a:br>
+              <a:rPr lang="en-US" sz="3200" dirty="0" smtClean="0"/>
+            </a:br>
             <a:endParaRPr lang="en-US" sz="3200" dirty="0"/>
           </a:p>
         </p:txBody>
       </p:sp>
-      <p:graphicFrame>
-        <p:nvGraphicFramePr>
+      <p:sp>
+        <p:nvSpPr>
           <p:cNvPr id="4" name="Content Placeholder 3"/>
-          <p:cNvGraphicFramePr>
-            <a:graphicFrameLocks noGrp="1"/>
-          </p:cNvGraphicFramePr>
+          <p:cNvSpPr>
+            <a:spLocks noGrp="1"/>
+          </p:cNvSpPr>
           <p:nvPr>
             <p:ph sz="quarter" idx="10"/>
-            <p:extLst>
-              <p:ext uri="{D42A27DB-BD31-4B8C-83A1-F6EECF244321}">
-                <p14:modId xmlns:p14="http://schemas.microsoft.com/office/powerpoint/2010/main" val="3317935647"/>
-              </p:ext>
-            </p:extLst>
           </p:nvPr>
-        </p:nvGraphicFramePr>
-        <p:xfrm>
-          <a:off x="304800" y="1066800"/>
-          <a:ext cx="8610600" cy="5029200"/>
-        </p:xfrm>
-        <a:graphic>
-          <a:graphicData uri="http://schemas.openxmlformats.org/drawingml/2006/diagram">
-            <dgm:relIds xmlns:dgm="http://schemas.openxmlformats.org/drawingml/2006/diagram" xmlns:r="http://schemas.openxmlformats.org/officeDocument/2006/relationships" r:dm="rId3" r:lo="rId4" r:qs="rId5" r:cs="rId6"/>
-          </a:graphicData>
-        </a:graphic>
-      </p:graphicFrame>
+        </p:nvSpPr>
+        <p:spPr>
+          <a:xfrm>
+            <a:off x="304800" y="911679"/>
+            <a:ext cx="6553259" cy="4857750"/>
+          </a:xfrm>
+        </p:spPr>
+        <p:txBody>
+          <a:bodyPr/>
+          <a:lstStyle/>
+          <a:p>
+            <a:r>
+              <a:rPr lang="en-US" b="1" dirty="0" smtClean="0"/>
+              <a:t>Management of changes </a:t>
+            </a:r>
+            <a:r>
+              <a:rPr lang="en-US" dirty="0" smtClean="0"/>
+              <a:t>to collections of information (source code, documents, </a:t>
+            </a:r>
+            <a:r>
+              <a:rPr lang="en-US" dirty="0" err="1" smtClean="0"/>
+              <a:t>etc</a:t>
+            </a:r>
+            <a:r>
+              <a:rPr lang="en-US" dirty="0" smtClean="0"/>
+              <a:t>)</a:t>
+            </a:r>
+          </a:p>
+          <a:p>
+            <a:r>
+              <a:rPr lang="en-US" dirty="0"/>
+              <a:t>Changes are usually identified by a number or letter code, termed the "</a:t>
+            </a:r>
+            <a:r>
+              <a:rPr lang="en-US" b="1" dirty="0"/>
+              <a:t>revision </a:t>
+            </a:r>
+            <a:r>
+              <a:rPr lang="en-US" b="1" dirty="0" smtClean="0"/>
+              <a:t>number</a:t>
+            </a:r>
+            <a:r>
+              <a:rPr lang="en-US" dirty="0" smtClean="0"/>
+              <a:t>“, which can be compared, restored, merged, branched, etc.</a:t>
+            </a:r>
+          </a:p>
+          <a:p>
+            <a:r>
+              <a:rPr lang="en-US" dirty="0"/>
+              <a:t>If multiple people are working on a single data set or document, they are implicitly creating </a:t>
+            </a:r>
+            <a:r>
+              <a:rPr lang="en-US" b="1" dirty="0"/>
+              <a:t>branches</a:t>
+            </a:r>
+            <a:r>
+              <a:rPr lang="en-US" dirty="0"/>
+              <a:t> of the data (in their working copies), and thus issues of merging </a:t>
+            </a:r>
+            <a:r>
+              <a:rPr lang="en-US" dirty="0" smtClean="0"/>
+              <a:t>arise.</a:t>
+            </a:r>
+          </a:p>
+          <a:p>
+            <a:r>
+              <a:rPr lang="en-US" dirty="0" smtClean="0"/>
+              <a:t>In </a:t>
+            </a:r>
+            <a:r>
+              <a:rPr lang="en-US" dirty="0"/>
+              <a:t>terms of graph theory, revisions are generally thought of as a line of development (</a:t>
+            </a:r>
+            <a:r>
+              <a:rPr lang="en-US" b="1" dirty="0"/>
+              <a:t>the </a:t>
+            </a:r>
+            <a:r>
+              <a:rPr lang="en-US" b="1" i="1" dirty="0"/>
+              <a:t>trunk</a:t>
+            </a:r>
+            <a:r>
+              <a:rPr lang="en-US" dirty="0"/>
+              <a:t>) with branches off of this, forming a directed tree, visualized as one or more parallel lines of development (the "mainlines" of the branches) branching off a trunk. </a:t>
+            </a:r>
+            <a:endParaRPr lang="en-US" dirty="0"/>
+          </a:p>
+        </p:txBody>
+      </p:sp>
+      <p:sp>
+        <p:nvSpPr>
+          <p:cNvPr id="3" name="TextBox 2"/>
+          <p:cNvSpPr txBox="1"/>
+          <p:nvPr/>
+        </p:nvSpPr>
+        <p:spPr>
+          <a:xfrm>
+            <a:off x="76200" y="5791200"/>
+            <a:ext cx="3150221" cy="276999"/>
+          </a:xfrm>
+          <a:prstGeom prst="rect">
+            <a:avLst/>
+          </a:prstGeom>
+          <a:noFill/>
+        </p:spPr>
+        <p:txBody>
+          <a:bodyPr wrap="none" rtlCol="0">
+            <a:spAutoFit/>
+          </a:bodyPr>
+          <a:lstStyle/>
+          <a:p>
+            <a:r>
+              <a:rPr lang="en-US" sz="1200" dirty="0"/>
+              <a:t>http://en.wikipedia.org/wiki/Revision_control</a:t>
+            </a:r>
+          </a:p>
+        </p:txBody>
+      </p:sp>
+      <p:pic>
+        <p:nvPicPr>
+          <p:cNvPr id="5" name="Picture 4"/>
+          <p:cNvPicPr>
+            <a:picLocks noChangeAspect="1"/>
+          </p:cNvPicPr>
+          <p:nvPr/>
+        </p:nvPicPr>
+        <p:blipFill>
+          <a:blip r:embed="rId2">
+            <a:extLst>
+              <a:ext uri="{28A0092B-C50C-407E-A947-70E740481C1C}">
+                <a14:useLocalDpi xmlns:a14="http://schemas.microsoft.com/office/drawing/2010/main" val="0"/>
+              </a:ext>
+            </a:extLst>
+          </a:blip>
+          <a:stretch>
+            <a:fillRect/>
+          </a:stretch>
+        </p:blipFill>
+        <p:spPr>
+          <a:xfrm>
+            <a:off x="6858059" y="625929"/>
+            <a:ext cx="2095500" cy="5143500"/>
+          </a:xfrm>
+          <a:prstGeom prst="rect">
+            <a:avLst/>
+          </a:prstGeom>
+        </p:spPr>
+      </p:pic>
     </p:spTree>
     <p:extLst>
       <p:ext uri="{BB962C8B-B14F-4D97-AF65-F5344CB8AC3E}">
-        <p14:creationId xmlns:p14="http://schemas.microsoft.com/office/powerpoint/2010/main" val="23404733"/>
+        <p14:creationId xmlns:p14="http://schemas.microsoft.com/office/powerpoint/2010/main" val="2956395922"/>
       </p:ext>
     </p:extLst>
   </p:cSld>
@@ -10010,18 +10209,15 @@
           <a:p>
             <a:r>
               <a:rPr lang="en-US" sz="3200" dirty="0" smtClean="0"/>
-              <a:t>Version Control Systems</a:t>
-            </a:r>
-            <a:br>
-              <a:rPr lang="en-US" sz="3200" dirty="0" smtClean="0"/>
-            </a:br>
+              <a:t>Build System</a:t>
+            </a:r>
             <a:endParaRPr lang="en-US" sz="3200" dirty="0"/>
           </a:p>
         </p:txBody>
       </p:sp>
       <p:sp>
         <p:nvSpPr>
-          <p:cNvPr id="4" name="Content Placeholder 3"/>
+          <p:cNvPr id="3" name="Content Placeholder 2"/>
           <p:cNvSpPr>
             <a:spLocks noGrp="1"/>
           </p:cNvSpPr>
@@ -10029,11 +10225,99 @@
             <p:ph sz="quarter" idx="10"/>
           </p:nvPr>
         </p:nvSpPr>
-        <p:spPr/>
+        <p:spPr>
+          <a:xfrm>
+            <a:off x="304800" y="914400"/>
+            <a:ext cx="8610600" cy="5181600"/>
+          </a:xfrm>
+        </p:spPr>
         <p:txBody>
           <a:bodyPr/>
           <a:lstStyle/>
           <a:p>
+            <a:pPr marL="0" indent="0">
+              <a:buNone/>
+            </a:pPr>
+            <a:r>
+              <a:rPr lang="en-US" dirty="0"/>
+              <a:t>The advantages of build automation to software development projects </a:t>
+            </a:r>
+            <a:r>
+              <a:rPr lang="en-US" dirty="0" smtClean="0"/>
+              <a:t>are the following:</a:t>
+            </a:r>
+            <a:endParaRPr lang="en-US" dirty="0"/>
+          </a:p>
+          <a:p>
+            <a:r>
+              <a:rPr lang="en-US" dirty="0" smtClean="0"/>
+              <a:t>Improving </a:t>
+            </a:r>
+            <a:r>
+              <a:rPr lang="en-US" dirty="0"/>
+              <a:t>product quality</a:t>
+            </a:r>
+          </a:p>
+          <a:p>
+            <a:r>
+              <a:rPr lang="en-US" dirty="0" smtClean="0"/>
+              <a:t>Accelerating </a:t>
+            </a:r>
+            <a:r>
+              <a:rPr lang="en-US" dirty="0"/>
+              <a:t>the compile and link processing</a:t>
+            </a:r>
+          </a:p>
+          <a:p>
+            <a:r>
+              <a:rPr lang="en-US" dirty="0" smtClean="0"/>
+              <a:t>Eliminating redundant tasks</a:t>
+            </a:r>
+          </a:p>
+          <a:p>
+            <a:r>
+              <a:rPr lang="en-US" dirty="0" smtClean="0"/>
+              <a:t>Minimizing </a:t>
+            </a:r>
+            <a:r>
+              <a:rPr lang="en-US" dirty="0"/>
+              <a:t>"bad builds"</a:t>
+            </a:r>
+          </a:p>
+          <a:p>
+            <a:r>
+              <a:rPr lang="en-US" dirty="0" smtClean="0"/>
+              <a:t>Eliminating </a:t>
+            </a:r>
+            <a:r>
+              <a:rPr lang="en-US" dirty="0"/>
+              <a:t>dependencies on key personnel</a:t>
+            </a:r>
+          </a:p>
+          <a:p>
+            <a:r>
+              <a:rPr lang="en-US" dirty="0" smtClean="0"/>
+              <a:t>Having </a:t>
+            </a:r>
+            <a:r>
+              <a:rPr lang="en-US" dirty="0"/>
+              <a:t>history of builds and releases in order to investigate issues</a:t>
+            </a:r>
+          </a:p>
+          <a:p>
+            <a:r>
+              <a:rPr lang="en-US" dirty="0" smtClean="0"/>
+              <a:t>Saving </a:t>
+            </a:r>
+            <a:r>
+              <a:rPr lang="en-US" dirty="0"/>
+              <a:t>time and money - because of the reasons listed above</a:t>
+            </a:r>
+          </a:p>
+          <a:p>
+            <a:pPr marL="0" indent="0">
+              <a:buNone/>
+            </a:pPr>
             <a:endParaRPr lang="en-US" dirty="0"/>
           </a:p>
         </p:txBody>
@@ -10041,7 +10325,7 @@
     </p:spTree>
     <p:extLst>
       <p:ext uri="{BB962C8B-B14F-4D97-AF65-F5344CB8AC3E}">
-        <p14:creationId xmlns:p14="http://schemas.microsoft.com/office/powerpoint/2010/main" val="2956395922"/>
+        <p14:creationId xmlns:p14="http://schemas.microsoft.com/office/powerpoint/2010/main" val="1282555359"/>
       </p:ext>
     </p:extLst>
   </p:cSld>

--- a/presentation/Continuous_Integration.pptx
+++ b/presentation/Continuous_Integration.pptx
@@ -8314,6 +8314,35 @@
           </a:p>
         </p:txBody>
       </p:sp>
+      <p:sp>
+        <p:nvSpPr>
+          <p:cNvPr id="6" name="TextBox 5"/>
+          <p:cNvSpPr txBox="1"/>
+          <p:nvPr/>
+        </p:nvSpPr>
+        <p:spPr>
+          <a:xfrm>
+            <a:off x="155483" y="5887959"/>
+            <a:ext cx="4454617" cy="276999"/>
+          </a:xfrm>
+          <a:prstGeom prst="rect">
+            <a:avLst/>
+          </a:prstGeom>
+          <a:noFill/>
+        </p:spPr>
+        <p:txBody>
+          <a:bodyPr wrap="none" rtlCol="0">
+            <a:spAutoFit/>
+          </a:bodyPr>
+          <a:lstStyle/>
+          <a:p>
+            <a:r>
+              <a:rPr lang="en-US" sz="1200" dirty="0"/>
+              <a:t>http://www.agileproductdesign.com/blog/the_new_backlog.html</a:t>
+            </a:r>
+          </a:p>
+        </p:txBody>
+      </p:sp>
     </p:spTree>
     <p:extLst>
       <p:ext uri="{BB962C8B-B14F-4D97-AF65-F5344CB8AC3E}">
